--- a/docpac_09281022/JSFighter2 Questions.pptx
+++ b/docpac_09281022/JSFighter2 Questions.pptx
@@ -108,7 +108,62 @@
       </a:defRPr>
     </a:lvl9pPr>
   </p:defaultTextStyle>
+  <p:extLst>
+    <p:ext uri="{EFAFB233-063F-42B5-8137-9DF3F51BA10A}">
+      <p15:sldGuideLst xmlns:p15="http://schemas.microsoft.com/office/powerpoint/2012/main"/>
+    </p:ext>
+  </p:extLst>
 </p:presentation>
+</file>
+
+<file path=ppt/revisionInfo.xml><?xml version="1.0" encoding="utf-8"?>
+<p1510:revInfo xmlns:a="http://schemas.openxmlformats.org/drawingml/2006/main" xmlns:r="http://schemas.openxmlformats.org/officeDocument/2006/relationships" xmlns:p1510="http://schemas.microsoft.com/office/powerpoint/2015/10/main">
+  <p1510:revLst>
+    <p1510:client id="{7EC3AFE4-0F67-43E5-AEBF-AAF47B353BB4}" v="4" dt="2022-10-26T17:48:48.446"/>
+  </p1510:revLst>
+</p1510:revInfo>
+</file>
+
+<file path=ppt/changesInfos/changesInfo1.xml><?xml version="1.0" encoding="utf-8"?>
+<pc:chgInfo xmlns:a="http://schemas.openxmlformats.org/drawingml/2006/main" xmlns:r="http://schemas.openxmlformats.org/officeDocument/2006/relationships" xmlns:ac="http://schemas.microsoft.com/office/drawing/2013/main/command" xmlns:pc="http://schemas.microsoft.com/office/powerpoint/2013/main/command">
+  <pc:docChgLst>
+    <pc:chgData name="SMITH, CHRISTOPHER" userId="dd7fc2d5-9988-40ef-9498-c94fd49fd9a4" providerId="ADAL" clId="{7EC3AFE4-0F67-43E5-AEBF-AAF47B353BB4}"/>
+    <pc:docChg chg="modSld">
+      <pc:chgData name="SMITH, CHRISTOPHER" userId="dd7fc2d5-9988-40ef-9498-c94fd49fd9a4" providerId="ADAL" clId="{7EC3AFE4-0F67-43E5-AEBF-AAF47B353BB4}" dt="2022-10-26T17:48:48.446" v="3"/>
+      <pc:docMkLst>
+        <pc:docMk/>
+      </pc:docMkLst>
+      <pc:sldChg chg="modAnim">
+        <pc:chgData name="SMITH, CHRISTOPHER" userId="dd7fc2d5-9988-40ef-9498-c94fd49fd9a4" providerId="ADAL" clId="{7EC3AFE4-0F67-43E5-AEBF-AAF47B353BB4}" dt="2022-10-26T17:48:42.320" v="0"/>
+        <pc:sldMkLst>
+          <pc:docMk/>
+          <pc:sldMk cId="2879746260" sldId="257"/>
+        </pc:sldMkLst>
+      </pc:sldChg>
+      <pc:sldChg chg="modAnim">
+        <pc:chgData name="SMITH, CHRISTOPHER" userId="dd7fc2d5-9988-40ef-9498-c94fd49fd9a4" providerId="ADAL" clId="{7EC3AFE4-0F67-43E5-AEBF-AAF47B353BB4}" dt="2022-10-26T17:48:44.180" v="1"/>
+        <pc:sldMkLst>
+          <pc:docMk/>
+          <pc:sldMk cId="3995304695" sldId="258"/>
+        </pc:sldMkLst>
+      </pc:sldChg>
+      <pc:sldChg chg="modAnim">
+        <pc:chgData name="SMITH, CHRISTOPHER" userId="dd7fc2d5-9988-40ef-9498-c94fd49fd9a4" providerId="ADAL" clId="{7EC3AFE4-0F67-43E5-AEBF-AAF47B353BB4}" dt="2022-10-26T17:48:46.147" v="2"/>
+        <pc:sldMkLst>
+          <pc:docMk/>
+          <pc:sldMk cId="612009371" sldId="260"/>
+        </pc:sldMkLst>
+      </pc:sldChg>
+      <pc:sldChg chg="modAnim">
+        <pc:chgData name="SMITH, CHRISTOPHER" userId="dd7fc2d5-9988-40ef-9498-c94fd49fd9a4" providerId="ADAL" clId="{7EC3AFE4-0F67-43E5-AEBF-AAF47B353BB4}" dt="2022-10-26T17:48:48.446" v="3"/>
+        <pc:sldMkLst>
+          <pc:docMk/>
+          <pc:sldMk cId="1549746575" sldId="261"/>
+        </pc:sldMkLst>
+      </pc:sldChg>
+    </pc:docChg>
+  </pc:docChgLst>
+</pc:chgInfo>
 </file>
 
 <file path=ppt/slideLayouts/slideLayout1.xml><?xml version="1.0" encoding="utf-8"?>
@@ -3485,6 +3540,279 @@
   <p:clrMapOvr>
     <a:masterClrMapping/>
   </p:clrMapOvr>
+  <p:timing>
+    <p:tnLst>
+      <p:par>
+        <p:cTn id="1" dur="indefinite" restart="never" nodeType="tmRoot">
+          <p:childTnLst>
+            <p:seq concurrent="1" nextAc="seek">
+              <p:cTn id="2" dur="indefinite" nodeType="mainSeq">
+                <p:childTnLst>
+                  <p:par>
+                    <p:cTn id="3" fill="hold">
+                      <p:stCondLst>
+                        <p:cond delay="indefinite"/>
+                      </p:stCondLst>
+                      <p:childTnLst>
+                        <p:par>
+                          <p:cTn id="4" fill="hold">
+                            <p:stCondLst>
+                              <p:cond delay="0"/>
+                            </p:stCondLst>
+                            <p:childTnLst>
+                              <p:par>
+                                <p:cTn id="5" presetID="1" presetClass="entr" presetSubtype="0" fill="hold" grpId="0" nodeType="clickEffect">
+                                  <p:stCondLst>
+                                    <p:cond delay="0"/>
+                                  </p:stCondLst>
+                                  <p:childTnLst>
+                                    <p:set>
+                                      <p:cBhvr>
+                                        <p:cTn id="6" dur="1" fill="hold">
+                                          <p:stCondLst>
+                                            <p:cond delay="0"/>
+                                          </p:stCondLst>
+                                        </p:cTn>
+                                        <p:tgtEl>
+                                          <p:spTgt spid="3">
+                                            <p:txEl>
+                                              <p:pRg st="0" end="0"/>
+                                            </p:txEl>
+                                          </p:spTgt>
+                                        </p:tgtEl>
+                                        <p:attrNameLst>
+                                          <p:attrName>style.visibility</p:attrName>
+                                        </p:attrNameLst>
+                                      </p:cBhvr>
+                                      <p:to>
+                                        <p:strVal val="visible"/>
+                                      </p:to>
+                                    </p:set>
+                                  </p:childTnLst>
+                                </p:cTn>
+                              </p:par>
+                              <p:par>
+                                <p:cTn id="7" presetID="1" presetClass="entr" presetSubtype="0" fill="hold" grpId="0" nodeType="withEffect">
+                                  <p:stCondLst>
+                                    <p:cond delay="0"/>
+                                  </p:stCondLst>
+                                  <p:childTnLst>
+                                    <p:set>
+                                      <p:cBhvr>
+                                        <p:cTn id="8" dur="1" fill="hold">
+                                          <p:stCondLst>
+                                            <p:cond delay="0"/>
+                                          </p:stCondLst>
+                                        </p:cTn>
+                                        <p:tgtEl>
+                                          <p:spTgt spid="3">
+                                            <p:txEl>
+                                              <p:pRg st="1" end="1"/>
+                                            </p:txEl>
+                                          </p:spTgt>
+                                        </p:tgtEl>
+                                        <p:attrNameLst>
+                                          <p:attrName>style.visibility</p:attrName>
+                                        </p:attrNameLst>
+                                      </p:cBhvr>
+                                      <p:to>
+                                        <p:strVal val="visible"/>
+                                      </p:to>
+                                    </p:set>
+                                  </p:childTnLst>
+                                </p:cTn>
+                              </p:par>
+                            </p:childTnLst>
+                          </p:cTn>
+                        </p:par>
+                      </p:childTnLst>
+                    </p:cTn>
+                  </p:par>
+                  <p:par>
+                    <p:cTn id="9" fill="hold">
+                      <p:stCondLst>
+                        <p:cond delay="indefinite"/>
+                      </p:stCondLst>
+                      <p:childTnLst>
+                        <p:par>
+                          <p:cTn id="10" fill="hold">
+                            <p:stCondLst>
+                              <p:cond delay="0"/>
+                            </p:stCondLst>
+                            <p:childTnLst>
+                              <p:par>
+                                <p:cTn id="11" presetID="1" presetClass="entr" presetSubtype="0" fill="hold" grpId="0" nodeType="clickEffect">
+                                  <p:stCondLst>
+                                    <p:cond delay="0"/>
+                                  </p:stCondLst>
+                                  <p:childTnLst>
+                                    <p:set>
+                                      <p:cBhvr>
+                                        <p:cTn id="12" dur="1" fill="hold">
+                                          <p:stCondLst>
+                                            <p:cond delay="0"/>
+                                          </p:stCondLst>
+                                        </p:cTn>
+                                        <p:tgtEl>
+                                          <p:spTgt spid="3">
+                                            <p:txEl>
+                                              <p:pRg st="2" end="2"/>
+                                            </p:txEl>
+                                          </p:spTgt>
+                                        </p:tgtEl>
+                                        <p:attrNameLst>
+                                          <p:attrName>style.visibility</p:attrName>
+                                        </p:attrNameLst>
+                                      </p:cBhvr>
+                                      <p:to>
+                                        <p:strVal val="visible"/>
+                                      </p:to>
+                                    </p:set>
+                                  </p:childTnLst>
+                                </p:cTn>
+                              </p:par>
+                              <p:par>
+                                <p:cTn id="13" presetID="1" presetClass="entr" presetSubtype="0" fill="hold" grpId="0" nodeType="withEffect">
+                                  <p:stCondLst>
+                                    <p:cond delay="0"/>
+                                  </p:stCondLst>
+                                  <p:childTnLst>
+                                    <p:set>
+                                      <p:cBhvr>
+                                        <p:cTn id="14" dur="1" fill="hold">
+                                          <p:stCondLst>
+                                            <p:cond delay="0"/>
+                                          </p:stCondLst>
+                                        </p:cTn>
+                                        <p:tgtEl>
+                                          <p:spTgt spid="3">
+                                            <p:txEl>
+                                              <p:pRg st="3" end="3"/>
+                                            </p:txEl>
+                                          </p:spTgt>
+                                        </p:tgtEl>
+                                        <p:attrNameLst>
+                                          <p:attrName>style.visibility</p:attrName>
+                                        </p:attrNameLst>
+                                      </p:cBhvr>
+                                      <p:to>
+                                        <p:strVal val="visible"/>
+                                      </p:to>
+                                    </p:set>
+                                  </p:childTnLst>
+                                </p:cTn>
+                              </p:par>
+                            </p:childTnLst>
+                          </p:cTn>
+                        </p:par>
+                      </p:childTnLst>
+                    </p:cTn>
+                  </p:par>
+                  <p:par>
+                    <p:cTn id="15" fill="hold">
+                      <p:stCondLst>
+                        <p:cond delay="indefinite"/>
+                      </p:stCondLst>
+                      <p:childTnLst>
+                        <p:par>
+                          <p:cTn id="16" fill="hold">
+                            <p:stCondLst>
+                              <p:cond delay="0"/>
+                            </p:stCondLst>
+                            <p:childTnLst>
+                              <p:par>
+                                <p:cTn id="17" presetID="1" presetClass="entr" presetSubtype="0" fill="hold" grpId="0" nodeType="clickEffect">
+                                  <p:stCondLst>
+                                    <p:cond delay="0"/>
+                                  </p:stCondLst>
+                                  <p:childTnLst>
+                                    <p:set>
+                                      <p:cBhvr>
+                                        <p:cTn id="18" dur="1" fill="hold">
+                                          <p:stCondLst>
+                                            <p:cond delay="0"/>
+                                          </p:stCondLst>
+                                        </p:cTn>
+                                        <p:tgtEl>
+                                          <p:spTgt spid="3">
+                                            <p:txEl>
+                                              <p:pRg st="4" end="4"/>
+                                            </p:txEl>
+                                          </p:spTgt>
+                                        </p:tgtEl>
+                                        <p:attrNameLst>
+                                          <p:attrName>style.visibility</p:attrName>
+                                        </p:attrNameLst>
+                                      </p:cBhvr>
+                                      <p:to>
+                                        <p:strVal val="visible"/>
+                                      </p:to>
+                                    </p:set>
+                                  </p:childTnLst>
+                                </p:cTn>
+                              </p:par>
+                              <p:par>
+                                <p:cTn id="19" presetID="1" presetClass="entr" presetSubtype="0" fill="hold" grpId="0" nodeType="withEffect">
+                                  <p:stCondLst>
+                                    <p:cond delay="0"/>
+                                  </p:stCondLst>
+                                  <p:childTnLst>
+                                    <p:set>
+                                      <p:cBhvr>
+                                        <p:cTn id="20" dur="1" fill="hold">
+                                          <p:stCondLst>
+                                            <p:cond delay="0"/>
+                                          </p:stCondLst>
+                                        </p:cTn>
+                                        <p:tgtEl>
+                                          <p:spTgt spid="3">
+                                            <p:txEl>
+                                              <p:pRg st="5" end="5"/>
+                                            </p:txEl>
+                                          </p:spTgt>
+                                        </p:tgtEl>
+                                        <p:attrNameLst>
+                                          <p:attrName>style.visibility</p:attrName>
+                                        </p:attrNameLst>
+                                      </p:cBhvr>
+                                      <p:to>
+                                        <p:strVal val="visible"/>
+                                      </p:to>
+                                    </p:set>
+                                  </p:childTnLst>
+                                </p:cTn>
+                              </p:par>
+                            </p:childTnLst>
+                          </p:cTn>
+                        </p:par>
+                      </p:childTnLst>
+                    </p:cTn>
+                  </p:par>
+                </p:childTnLst>
+              </p:cTn>
+              <p:prevCondLst>
+                <p:cond evt="onPrev" delay="0">
+                  <p:tgtEl>
+                    <p:sldTgt/>
+                  </p:tgtEl>
+                </p:cond>
+              </p:prevCondLst>
+              <p:nextCondLst>
+                <p:cond evt="onNext" delay="0">
+                  <p:tgtEl>
+                    <p:sldTgt/>
+                  </p:tgtEl>
+                </p:cond>
+              </p:nextCondLst>
+            </p:seq>
+          </p:childTnLst>
+        </p:cTn>
+      </p:par>
+    </p:tnLst>
+    <p:bldLst>
+      <p:bldP spid="3" grpId="0" build="p"/>
+    </p:bldLst>
+  </p:timing>
 </p:sld>
 </file>
 
@@ -3597,6 +3925,359 @@
   <p:clrMapOvr>
     <a:masterClrMapping/>
   </p:clrMapOvr>
+  <p:timing>
+    <p:tnLst>
+      <p:par>
+        <p:cTn id="1" dur="indefinite" restart="never" nodeType="tmRoot">
+          <p:childTnLst>
+            <p:seq concurrent="1" nextAc="seek">
+              <p:cTn id="2" dur="indefinite" nodeType="mainSeq">
+                <p:childTnLst>
+                  <p:par>
+                    <p:cTn id="3" fill="hold">
+                      <p:stCondLst>
+                        <p:cond delay="indefinite"/>
+                      </p:stCondLst>
+                      <p:childTnLst>
+                        <p:par>
+                          <p:cTn id="4" fill="hold">
+                            <p:stCondLst>
+                              <p:cond delay="0"/>
+                            </p:stCondLst>
+                            <p:childTnLst>
+                              <p:par>
+                                <p:cTn id="5" presetID="1" presetClass="entr" presetSubtype="0" fill="hold" grpId="0" nodeType="clickEffect">
+                                  <p:stCondLst>
+                                    <p:cond delay="0"/>
+                                  </p:stCondLst>
+                                  <p:childTnLst>
+                                    <p:set>
+                                      <p:cBhvr>
+                                        <p:cTn id="6" dur="1" fill="hold">
+                                          <p:stCondLst>
+                                            <p:cond delay="0"/>
+                                          </p:stCondLst>
+                                        </p:cTn>
+                                        <p:tgtEl>
+                                          <p:spTgt spid="3">
+                                            <p:txEl>
+                                              <p:pRg st="0" end="0"/>
+                                            </p:txEl>
+                                          </p:spTgt>
+                                        </p:tgtEl>
+                                        <p:attrNameLst>
+                                          <p:attrName>style.visibility</p:attrName>
+                                        </p:attrNameLst>
+                                      </p:cBhvr>
+                                      <p:to>
+                                        <p:strVal val="visible"/>
+                                      </p:to>
+                                    </p:set>
+                                  </p:childTnLst>
+                                </p:cTn>
+                              </p:par>
+                              <p:par>
+                                <p:cTn id="7" presetID="1" presetClass="entr" presetSubtype="0" fill="hold" grpId="0" nodeType="withEffect">
+                                  <p:stCondLst>
+                                    <p:cond delay="0"/>
+                                  </p:stCondLst>
+                                  <p:childTnLst>
+                                    <p:set>
+                                      <p:cBhvr>
+                                        <p:cTn id="8" dur="1" fill="hold">
+                                          <p:stCondLst>
+                                            <p:cond delay="0"/>
+                                          </p:stCondLst>
+                                        </p:cTn>
+                                        <p:tgtEl>
+                                          <p:spTgt spid="3">
+                                            <p:txEl>
+                                              <p:pRg st="1" end="1"/>
+                                            </p:txEl>
+                                          </p:spTgt>
+                                        </p:tgtEl>
+                                        <p:attrNameLst>
+                                          <p:attrName>style.visibility</p:attrName>
+                                        </p:attrNameLst>
+                                      </p:cBhvr>
+                                      <p:to>
+                                        <p:strVal val="visible"/>
+                                      </p:to>
+                                    </p:set>
+                                  </p:childTnLst>
+                                </p:cTn>
+                              </p:par>
+                            </p:childTnLst>
+                          </p:cTn>
+                        </p:par>
+                      </p:childTnLst>
+                    </p:cTn>
+                  </p:par>
+                  <p:par>
+                    <p:cTn id="9" fill="hold">
+                      <p:stCondLst>
+                        <p:cond delay="indefinite"/>
+                      </p:stCondLst>
+                      <p:childTnLst>
+                        <p:par>
+                          <p:cTn id="10" fill="hold">
+                            <p:stCondLst>
+                              <p:cond delay="0"/>
+                            </p:stCondLst>
+                            <p:childTnLst>
+                              <p:par>
+                                <p:cTn id="11" presetID="1" presetClass="entr" presetSubtype="0" fill="hold" grpId="0" nodeType="clickEffect">
+                                  <p:stCondLst>
+                                    <p:cond delay="0"/>
+                                  </p:stCondLst>
+                                  <p:childTnLst>
+                                    <p:set>
+                                      <p:cBhvr>
+                                        <p:cTn id="12" dur="1" fill="hold">
+                                          <p:stCondLst>
+                                            <p:cond delay="0"/>
+                                          </p:stCondLst>
+                                        </p:cTn>
+                                        <p:tgtEl>
+                                          <p:spTgt spid="3">
+                                            <p:txEl>
+                                              <p:pRg st="2" end="2"/>
+                                            </p:txEl>
+                                          </p:spTgt>
+                                        </p:tgtEl>
+                                        <p:attrNameLst>
+                                          <p:attrName>style.visibility</p:attrName>
+                                        </p:attrNameLst>
+                                      </p:cBhvr>
+                                      <p:to>
+                                        <p:strVal val="visible"/>
+                                      </p:to>
+                                    </p:set>
+                                  </p:childTnLst>
+                                </p:cTn>
+                              </p:par>
+                              <p:par>
+                                <p:cTn id="13" presetID="1" presetClass="entr" presetSubtype="0" fill="hold" grpId="0" nodeType="withEffect">
+                                  <p:stCondLst>
+                                    <p:cond delay="0"/>
+                                  </p:stCondLst>
+                                  <p:childTnLst>
+                                    <p:set>
+                                      <p:cBhvr>
+                                        <p:cTn id="14" dur="1" fill="hold">
+                                          <p:stCondLst>
+                                            <p:cond delay="0"/>
+                                          </p:stCondLst>
+                                        </p:cTn>
+                                        <p:tgtEl>
+                                          <p:spTgt spid="3">
+                                            <p:txEl>
+                                              <p:pRg st="3" end="3"/>
+                                            </p:txEl>
+                                          </p:spTgt>
+                                        </p:tgtEl>
+                                        <p:attrNameLst>
+                                          <p:attrName>style.visibility</p:attrName>
+                                        </p:attrNameLst>
+                                      </p:cBhvr>
+                                      <p:to>
+                                        <p:strVal val="visible"/>
+                                      </p:to>
+                                    </p:set>
+                                  </p:childTnLst>
+                                </p:cTn>
+                              </p:par>
+                            </p:childTnLst>
+                          </p:cTn>
+                        </p:par>
+                      </p:childTnLst>
+                    </p:cTn>
+                  </p:par>
+                  <p:par>
+                    <p:cTn id="15" fill="hold">
+                      <p:stCondLst>
+                        <p:cond delay="indefinite"/>
+                      </p:stCondLst>
+                      <p:childTnLst>
+                        <p:par>
+                          <p:cTn id="16" fill="hold">
+                            <p:stCondLst>
+                              <p:cond delay="0"/>
+                            </p:stCondLst>
+                            <p:childTnLst>
+                              <p:par>
+                                <p:cTn id="17" presetID="1" presetClass="entr" presetSubtype="0" fill="hold" grpId="0" nodeType="clickEffect">
+                                  <p:stCondLst>
+                                    <p:cond delay="0"/>
+                                  </p:stCondLst>
+                                  <p:childTnLst>
+                                    <p:set>
+                                      <p:cBhvr>
+                                        <p:cTn id="18" dur="1" fill="hold">
+                                          <p:stCondLst>
+                                            <p:cond delay="0"/>
+                                          </p:stCondLst>
+                                        </p:cTn>
+                                        <p:tgtEl>
+                                          <p:spTgt spid="3">
+                                            <p:txEl>
+                                              <p:pRg st="4" end="4"/>
+                                            </p:txEl>
+                                          </p:spTgt>
+                                        </p:tgtEl>
+                                        <p:attrNameLst>
+                                          <p:attrName>style.visibility</p:attrName>
+                                        </p:attrNameLst>
+                                      </p:cBhvr>
+                                      <p:to>
+                                        <p:strVal val="visible"/>
+                                      </p:to>
+                                    </p:set>
+                                  </p:childTnLst>
+                                </p:cTn>
+                              </p:par>
+                              <p:par>
+                                <p:cTn id="19" presetID="1" presetClass="entr" presetSubtype="0" fill="hold" grpId="0" nodeType="withEffect">
+                                  <p:stCondLst>
+                                    <p:cond delay="0"/>
+                                  </p:stCondLst>
+                                  <p:childTnLst>
+                                    <p:set>
+                                      <p:cBhvr>
+                                        <p:cTn id="20" dur="1" fill="hold">
+                                          <p:stCondLst>
+                                            <p:cond delay="0"/>
+                                          </p:stCondLst>
+                                        </p:cTn>
+                                        <p:tgtEl>
+                                          <p:spTgt spid="3">
+                                            <p:txEl>
+                                              <p:pRg st="5" end="5"/>
+                                            </p:txEl>
+                                          </p:spTgt>
+                                        </p:tgtEl>
+                                        <p:attrNameLst>
+                                          <p:attrName>style.visibility</p:attrName>
+                                        </p:attrNameLst>
+                                      </p:cBhvr>
+                                      <p:to>
+                                        <p:strVal val="visible"/>
+                                      </p:to>
+                                    </p:set>
+                                  </p:childTnLst>
+                                </p:cTn>
+                              </p:par>
+                            </p:childTnLst>
+                          </p:cTn>
+                        </p:par>
+                      </p:childTnLst>
+                    </p:cTn>
+                  </p:par>
+                  <p:par>
+                    <p:cTn id="21" fill="hold">
+                      <p:stCondLst>
+                        <p:cond delay="indefinite"/>
+                      </p:stCondLst>
+                      <p:childTnLst>
+                        <p:par>
+                          <p:cTn id="22" fill="hold">
+                            <p:stCondLst>
+                              <p:cond delay="0"/>
+                            </p:stCondLst>
+                            <p:childTnLst>
+                              <p:par>
+                                <p:cTn id="23" presetID="1" presetClass="entr" presetSubtype="0" fill="hold" grpId="0" nodeType="clickEffect">
+                                  <p:stCondLst>
+                                    <p:cond delay="0"/>
+                                  </p:stCondLst>
+                                  <p:childTnLst>
+                                    <p:set>
+                                      <p:cBhvr>
+                                        <p:cTn id="24" dur="1" fill="hold">
+                                          <p:stCondLst>
+                                            <p:cond delay="0"/>
+                                          </p:stCondLst>
+                                        </p:cTn>
+                                        <p:tgtEl>
+                                          <p:spTgt spid="3">
+                                            <p:txEl>
+                                              <p:pRg st="6" end="6"/>
+                                            </p:txEl>
+                                          </p:spTgt>
+                                        </p:tgtEl>
+                                        <p:attrNameLst>
+                                          <p:attrName>style.visibility</p:attrName>
+                                        </p:attrNameLst>
+                                      </p:cBhvr>
+                                      <p:to>
+                                        <p:strVal val="visible"/>
+                                      </p:to>
+                                    </p:set>
+                                  </p:childTnLst>
+                                </p:cTn>
+                              </p:par>
+                              <p:par>
+                                <p:cTn id="25" presetID="1" presetClass="entr" presetSubtype="0" fill="hold" grpId="0" nodeType="withEffect">
+                                  <p:stCondLst>
+                                    <p:cond delay="0"/>
+                                  </p:stCondLst>
+                                  <p:childTnLst>
+                                    <p:set>
+                                      <p:cBhvr>
+                                        <p:cTn id="26" dur="1" fill="hold">
+                                          <p:stCondLst>
+                                            <p:cond delay="0"/>
+                                          </p:stCondLst>
+                                        </p:cTn>
+                                        <p:tgtEl>
+                                          <p:spTgt spid="3">
+                                            <p:txEl>
+                                              <p:pRg st="7" end="7"/>
+                                            </p:txEl>
+                                          </p:spTgt>
+                                        </p:tgtEl>
+                                        <p:attrNameLst>
+                                          <p:attrName>style.visibility</p:attrName>
+                                        </p:attrNameLst>
+                                      </p:cBhvr>
+                                      <p:to>
+                                        <p:strVal val="visible"/>
+                                      </p:to>
+                                    </p:set>
+                                  </p:childTnLst>
+                                </p:cTn>
+                              </p:par>
+                            </p:childTnLst>
+                          </p:cTn>
+                        </p:par>
+                      </p:childTnLst>
+                    </p:cTn>
+                  </p:par>
+                </p:childTnLst>
+              </p:cTn>
+              <p:prevCondLst>
+                <p:cond evt="onPrev" delay="0">
+                  <p:tgtEl>
+                    <p:sldTgt/>
+                  </p:tgtEl>
+                </p:cond>
+              </p:prevCondLst>
+              <p:nextCondLst>
+                <p:cond evt="onNext" delay="0">
+                  <p:tgtEl>
+                    <p:sldTgt/>
+                  </p:tgtEl>
+                </p:cond>
+              </p:nextCondLst>
+            </p:seq>
+          </p:childTnLst>
+        </p:cTn>
+      </p:par>
+    </p:tnLst>
+    <p:bldLst>
+      <p:bldP spid="3" grpId="0" build="p"/>
+    </p:bldLst>
+  </p:timing>
 </p:sld>
 </file>
 
@@ -3737,6 +4418,501 @@
   <p:clrMapOvr>
     <a:masterClrMapping/>
   </p:clrMapOvr>
+  <p:timing>
+    <p:tnLst>
+      <p:par>
+        <p:cTn id="1" dur="indefinite" restart="never" nodeType="tmRoot">
+          <p:childTnLst>
+            <p:seq concurrent="1" nextAc="seek">
+              <p:cTn id="2" dur="indefinite" nodeType="mainSeq">
+                <p:childTnLst>
+                  <p:par>
+                    <p:cTn id="3" fill="hold">
+                      <p:stCondLst>
+                        <p:cond delay="indefinite"/>
+                      </p:stCondLst>
+                      <p:childTnLst>
+                        <p:par>
+                          <p:cTn id="4" fill="hold">
+                            <p:stCondLst>
+                              <p:cond delay="0"/>
+                            </p:stCondLst>
+                            <p:childTnLst>
+                              <p:par>
+                                <p:cTn id="5" presetID="1" presetClass="entr" presetSubtype="0" fill="hold" grpId="0" nodeType="clickEffect">
+                                  <p:stCondLst>
+                                    <p:cond delay="0"/>
+                                  </p:stCondLst>
+                                  <p:childTnLst>
+                                    <p:set>
+                                      <p:cBhvr>
+                                        <p:cTn id="6" dur="1" fill="hold">
+                                          <p:stCondLst>
+                                            <p:cond delay="0"/>
+                                          </p:stCondLst>
+                                        </p:cTn>
+                                        <p:tgtEl>
+                                          <p:spTgt spid="3">
+                                            <p:txEl>
+                                              <p:pRg st="0" end="0"/>
+                                            </p:txEl>
+                                          </p:spTgt>
+                                        </p:tgtEl>
+                                        <p:attrNameLst>
+                                          <p:attrName>style.visibility</p:attrName>
+                                        </p:attrNameLst>
+                                      </p:cBhvr>
+                                      <p:to>
+                                        <p:strVal val="visible"/>
+                                      </p:to>
+                                    </p:set>
+                                  </p:childTnLst>
+                                </p:cTn>
+                              </p:par>
+                              <p:par>
+                                <p:cTn id="7" presetID="1" presetClass="entr" presetSubtype="0" fill="hold" grpId="0" nodeType="withEffect">
+                                  <p:stCondLst>
+                                    <p:cond delay="0"/>
+                                  </p:stCondLst>
+                                  <p:childTnLst>
+                                    <p:set>
+                                      <p:cBhvr>
+                                        <p:cTn id="8" dur="1" fill="hold">
+                                          <p:stCondLst>
+                                            <p:cond delay="0"/>
+                                          </p:stCondLst>
+                                        </p:cTn>
+                                        <p:tgtEl>
+                                          <p:spTgt spid="3">
+                                            <p:txEl>
+                                              <p:pRg st="1" end="1"/>
+                                            </p:txEl>
+                                          </p:spTgt>
+                                        </p:tgtEl>
+                                        <p:attrNameLst>
+                                          <p:attrName>style.visibility</p:attrName>
+                                        </p:attrNameLst>
+                                      </p:cBhvr>
+                                      <p:to>
+                                        <p:strVal val="visible"/>
+                                      </p:to>
+                                    </p:set>
+                                  </p:childTnLst>
+                                </p:cTn>
+                              </p:par>
+                            </p:childTnLst>
+                          </p:cTn>
+                        </p:par>
+                      </p:childTnLst>
+                    </p:cTn>
+                  </p:par>
+                  <p:par>
+                    <p:cTn id="9" fill="hold">
+                      <p:stCondLst>
+                        <p:cond delay="indefinite"/>
+                      </p:stCondLst>
+                      <p:childTnLst>
+                        <p:par>
+                          <p:cTn id="10" fill="hold">
+                            <p:stCondLst>
+                              <p:cond delay="0"/>
+                            </p:stCondLst>
+                            <p:childTnLst>
+                              <p:par>
+                                <p:cTn id="11" presetID="1" presetClass="entr" presetSubtype="0" fill="hold" grpId="0" nodeType="clickEffect">
+                                  <p:stCondLst>
+                                    <p:cond delay="0"/>
+                                  </p:stCondLst>
+                                  <p:childTnLst>
+                                    <p:set>
+                                      <p:cBhvr>
+                                        <p:cTn id="12" dur="1" fill="hold">
+                                          <p:stCondLst>
+                                            <p:cond delay="0"/>
+                                          </p:stCondLst>
+                                        </p:cTn>
+                                        <p:tgtEl>
+                                          <p:spTgt spid="3">
+                                            <p:txEl>
+                                              <p:pRg st="2" end="2"/>
+                                            </p:txEl>
+                                          </p:spTgt>
+                                        </p:tgtEl>
+                                        <p:attrNameLst>
+                                          <p:attrName>style.visibility</p:attrName>
+                                        </p:attrNameLst>
+                                      </p:cBhvr>
+                                      <p:to>
+                                        <p:strVal val="visible"/>
+                                      </p:to>
+                                    </p:set>
+                                  </p:childTnLst>
+                                </p:cTn>
+                              </p:par>
+                              <p:par>
+                                <p:cTn id="13" presetID="1" presetClass="entr" presetSubtype="0" fill="hold" grpId="0" nodeType="withEffect">
+                                  <p:stCondLst>
+                                    <p:cond delay="0"/>
+                                  </p:stCondLst>
+                                  <p:childTnLst>
+                                    <p:set>
+                                      <p:cBhvr>
+                                        <p:cTn id="14" dur="1" fill="hold">
+                                          <p:stCondLst>
+                                            <p:cond delay="0"/>
+                                          </p:stCondLst>
+                                        </p:cTn>
+                                        <p:tgtEl>
+                                          <p:spTgt spid="3">
+                                            <p:txEl>
+                                              <p:pRg st="3" end="3"/>
+                                            </p:txEl>
+                                          </p:spTgt>
+                                        </p:tgtEl>
+                                        <p:attrNameLst>
+                                          <p:attrName>style.visibility</p:attrName>
+                                        </p:attrNameLst>
+                                      </p:cBhvr>
+                                      <p:to>
+                                        <p:strVal val="visible"/>
+                                      </p:to>
+                                    </p:set>
+                                  </p:childTnLst>
+                                </p:cTn>
+                              </p:par>
+                            </p:childTnLst>
+                          </p:cTn>
+                        </p:par>
+                      </p:childTnLst>
+                    </p:cTn>
+                  </p:par>
+                  <p:par>
+                    <p:cTn id="15" fill="hold">
+                      <p:stCondLst>
+                        <p:cond delay="indefinite"/>
+                      </p:stCondLst>
+                      <p:childTnLst>
+                        <p:par>
+                          <p:cTn id="16" fill="hold">
+                            <p:stCondLst>
+                              <p:cond delay="0"/>
+                            </p:stCondLst>
+                            <p:childTnLst>
+                              <p:par>
+                                <p:cTn id="17" presetID="1" presetClass="entr" presetSubtype="0" fill="hold" grpId="0" nodeType="clickEffect">
+                                  <p:stCondLst>
+                                    <p:cond delay="0"/>
+                                  </p:stCondLst>
+                                  <p:childTnLst>
+                                    <p:set>
+                                      <p:cBhvr>
+                                        <p:cTn id="18" dur="1" fill="hold">
+                                          <p:stCondLst>
+                                            <p:cond delay="0"/>
+                                          </p:stCondLst>
+                                        </p:cTn>
+                                        <p:tgtEl>
+                                          <p:spTgt spid="3">
+                                            <p:txEl>
+                                              <p:pRg st="4" end="4"/>
+                                            </p:txEl>
+                                          </p:spTgt>
+                                        </p:tgtEl>
+                                        <p:attrNameLst>
+                                          <p:attrName>style.visibility</p:attrName>
+                                        </p:attrNameLst>
+                                      </p:cBhvr>
+                                      <p:to>
+                                        <p:strVal val="visible"/>
+                                      </p:to>
+                                    </p:set>
+                                  </p:childTnLst>
+                                </p:cTn>
+                              </p:par>
+                              <p:par>
+                                <p:cTn id="19" presetID="1" presetClass="entr" presetSubtype="0" fill="hold" grpId="0" nodeType="withEffect">
+                                  <p:stCondLst>
+                                    <p:cond delay="0"/>
+                                  </p:stCondLst>
+                                  <p:childTnLst>
+                                    <p:set>
+                                      <p:cBhvr>
+                                        <p:cTn id="20" dur="1" fill="hold">
+                                          <p:stCondLst>
+                                            <p:cond delay="0"/>
+                                          </p:stCondLst>
+                                        </p:cTn>
+                                        <p:tgtEl>
+                                          <p:spTgt spid="3">
+                                            <p:txEl>
+                                              <p:pRg st="5" end="5"/>
+                                            </p:txEl>
+                                          </p:spTgt>
+                                        </p:tgtEl>
+                                        <p:attrNameLst>
+                                          <p:attrName>style.visibility</p:attrName>
+                                        </p:attrNameLst>
+                                      </p:cBhvr>
+                                      <p:to>
+                                        <p:strVal val="visible"/>
+                                      </p:to>
+                                    </p:set>
+                                  </p:childTnLst>
+                                </p:cTn>
+                              </p:par>
+                            </p:childTnLst>
+                          </p:cTn>
+                        </p:par>
+                      </p:childTnLst>
+                    </p:cTn>
+                  </p:par>
+                  <p:par>
+                    <p:cTn id="21" fill="hold">
+                      <p:stCondLst>
+                        <p:cond delay="indefinite"/>
+                      </p:stCondLst>
+                      <p:childTnLst>
+                        <p:par>
+                          <p:cTn id="22" fill="hold">
+                            <p:stCondLst>
+                              <p:cond delay="0"/>
+                            </p:stCondLst>
+                            <p:childTnLst>
+                              <p:par>
+                                <p:cTn id="23" presetID="1" presetClass="entr" presetSubtype="0" fill="hold" grpId="0" nodeType="clickEffect">
+                                  <p:stCondLst>
+                                    <p:cond delay="0"/>
+                                  </p:stCondLst>
+                                  <p:childTnLst>
+                                    <p:set>
+                                      <p:cBhvr>
+                                        <p:cTn id="24" dur="1" fill="hold">
+                                          <p:stCondLst>
+                                            <p:cond delay="0"/>
+                                          </p:stCondLst>
+                                        </p:cTn>
+                                        <p:tgtEl>
+                                          <p:spTgt spid="3">
+                                            <p:txEl>
+                                              <p:pRg st="6" end="6"/>
+                                            </p:txEl>
+                                          </p:spTgt>
+                                        </p:tgtEl>
+                                        <p:attrNameLst>
+                                          <p:attrName>style.visibility</p:attrName>
+                                        </p:attrNameLst>
+                                      </p:cBhvr>
+                                      <p:to>
+                                        <p:strVal val="visible"/>
+                                      </p:to>
+                                    </p:set>
+                                  </p:childTnLst>
+                                </p:cTn>
+                              </p:par>
+                              <p:par>
+                                <p:cTn id="25" presetID="1" presetClass="entr" presetSubtype="0" fill="hold" grpId="0" nodeType="withEffect">
+                                  <p:stCondLst>
+                                    <p:cond delay="0"/>
+                                  </p:stCondLst>
+                                  <p:childTnLst>
+                                    <p:set>
+                                      <p:cBhvr>
+                                        <p:cTn id="26" dur="1" fill="hold">
+                                          <p:stCondLst>
+                                            <p:cond delay="0"/>
+                                          </p:stCondLst>
+                                        </p:cTn>
+                                        <p:tgtEl>
+                                          <p:spTgt spid="3">
+                                            <p:txEl>
+                                              <p:pRg st="7" end="7"/>
+                                            </p:txEl>
+                                          </p:spTgt>
+                                        </p:tgtEl>
+                                        <p:attrNameLst>
+                                          <p:attrName>style.visibility</p:attrName>
+                                        </p:attrNameLst>
+                                      </p:cBhvr>
+                                      <p:to>
+                                        <p:strVal val="visible"/>
+                                      </p:to>
+                                    </p:set>
+                                  </p:childTnLst>
+                                </p:cTn>
+                              </p:par>
+                              <p:par>
+                                <p:cTn id="27" presetID="1" presetClass="entr" presetSubtype="0" fill="hold" grpId="0" nodeType="withEffect">
+                                  <p:stCondLst>
+                                    <p:cond delay="0"/>
+                                  </p:stCondLst>
+                                  <p:childTnLst>
+                                    <p:set>
+                                      <p:cBhvr>
+                                        <p:cTn id="28" dur="1" fill="hold">
+                                          <p:stCondLst>
+                                            <p:cond delay="0"/>
+                                          </p:stCondLst>
+                                        </p:cTn>
+                                        <p:tgtEl>
+                                          <p:spTgt spid="3">
+                                            <p:txEl>
+                                              <p:pRg st="8" end="8"/>
+                                            </p:txEl>
+                                          </p:spTgt>
+                                        </p:tgtEl>
+                                        <p:attrNameLst>
+                                          <p:attrName>style.visibility</p:attrName>
+                                        </p:attrNameLst>
+                                      </p:cBhvr>
+                                      <p:to>
+                                        <p:strVal val="visible"/>
+                                      </p:to>
+                                    </p:set>
+                                  </p:childTnLst>
+                                </p:cTn>
+                              </p:par>
+                              <p:par>
+                                <p:cTn id="29" presetID="1" presetClass="entr" presetSubtype="0" fill="hold" grpId="0" nodeType="withEffect">
+                                  <p:stCondLst>
+                                    <p:cond delay="0"/>
+                                  </p:stCondLst>
+                                  <p:childTnLst>
+                                    <p:set>
+                                      <p:cBhvr>
+                                        <p:cTn id="30" dur="1" fill="hold">
+                                          <p:stCondLst>
+                                            <p:cond delay="0"/>
+                                          </p:stCondLst>
+                                        </p:cTn>
+                                        <p:tgtEl>
+                                          <p:spTgt spid="3">
+                                            <p:txEl>
+                                              <p:pRg st="9" end="9"/>
+                                            </p:txEl>
+                                          </p:spTgt>
+                                        </p:tgtEl>
+                                        <p:attrNameLst>
+                                          <p:attrName>style.visibility</p:attrName>
+                                        </p:attrNameLst>
+                                      </p:cBhvr>
+                                      <p:to>
+                                        <p:strVal val="visible"/>
+                                      </p:to>
+                                    </p:set>
+                                  </p:childTnLst>
+                                </p:cTn>
+                              </p:par>
+                            </p:childTnLst>
+                          </p:cTn>
+                        </p:par>
+                      </p:childTnLst>
+                    </p:cTn>
+                  </p:par>
+                  <p:par>
+                    <p:cTn id="31" fill="hold">
+                      <p:stCondLst>
+                        <p:cond delay="indefinite"/>
+                      </p:stCondLst>
+                      <p:childTnLst>
+                        <p:par>
+                          <p:cTn id="32" fill="hold">
+                            <p:stCondLst>
+                              <p:cond delay="0"/>
+                            </p:stCondLst>
+                            <p:childTnLst>
+                              <p:par>
+                                <p:cTn id="33" presetID="1" presetClass="entr" presetSubtype="0" fill="hold" grpId="0" nodeType="clickEffect">
+                                  <p:stCondLst>
+                                    <p:cond delay="0"/>
+                                  </p:stCondLst>
+                                  <p:childTnLst>
+                                    <p:set>
+                                      <p:cBhvr>
+                                        <p:cTn id="34" dur="1" fill="hold">
+                                          <p:stCondLst>
+                                            <p:cond delay="0"/>
+                                          </p:stCondLst>
+                                        </p:cTn>
+                                        <p:tgtEl>
+                                          <p:spTgt spid="3">
+                                            <p:txEl>
+                                              <p:pRg st="10" end="10"/>
+                                            </p:txEl>
+                                          </p:spTgt>
+                                        </p:tgtEl>
+                                        <p:attrNameLst>
+                                          <p:attrName>style.visibility</p:attrName>
+                                        </p:attrNameLst>
+                                      </p:cBhvr>
+                                      <p:to>
+                                        <p:strVal val="visible"/>
+                                      </p:to>
+                                    </p:set>
+                                  </p:childTnLst>
+                                </p:cTn>
+                              </p:par>
+                              <p:par>
+                                <p:cTn id="35" presetID="1" presetClass="entr" presetSubtype="0" fill="hold" grpId="0" nodeType="withEffect">
+                                  <p:stCondLst>
+                                    <p:cond delay="0"/>
+                                  </p:stCondLst>
+                                  <p:childTnLst>
+                                    <p:set>
+                                      <p:cBhvr>
+                                        <p:cTn id="36" dur="1" fill="hold">
+                                          <p:stCondLst>
+                                            <p:cond delay="0"/>
+                                          </p:stCondLst>
+                                        </p:cTn>
+                                        <p:tgtEl>
+                                          <p:spTgt spid="3">
+                                            <p:txEl>
+                                              <p:pRg st="11" end="11"/>
+                                            </p:txEl>
+                                          </p:spTgt>
+                                        </p:tgtEl>
+                                        <p:attrNameLst>
+                                          <p:attrName>style.visibility</p:attrName>
+                                        </p:attrNameLst>
+                                      </p:cBhvr>
+                                      <p:to>
+                                        <p:strVal val="visible"/>
+                                      </p:to>
+                                    </p:set>
+                                  </p:childTnLst>
+                                </p:cTn>
+                              </p:par>
+                            </p:childTnLst>
+                          </p:cTn>
+                        </p:par>
+                      </p:childTnLst>
+                    </p:cTn>
+                  </p:par>
+                </p:childTnLst>
+              </p:cTn>
+              <p:prevCondLst>
+                <p:cond evt="onPrev" delay="0">
+                  <p:tgtEl>
+                    <p:sldTgt/>
+                  </p:tgtEl>
+                </p:cond>
+              </p:prevCondLst>
+              <p:nextCondLst>
+                <p:cond evt="onNext" delay="0">
+                  <p:tgtEl>
+                    <p:sldTgt/>
+                  </p:tgtEl>
+                </p:cond>
+              </p:nextCondLst>
+            </p:seq>
+          </p:childTnLst>
+        </p:cTn>
+      </p:par>
+    </p:tnLst>
+    <p:bldLst>
+      <p:bldP spid="3" grpId="0" build="p"/>
+    </p:bldLst>
+  </p:timing>
 </p:sld>
 </file>
 
@@ -3837,6 +5013,279 @@
   <p:clrMapOvr>
     <a:masterClrMapping/>
   </p:clrMapOvr>
+  <p:timing>
+    <p:tnLst>
+      <p:par>
+        <p:cTn id="1" dur="indefinite" restart="never" nodeType="tmRoot">
+          <p:childTnLst>
+            <p:seq concurrent="1" nextAc="seek">
+              <p:cTn id="2" dur="indefinite" nodeType="mainSeq">
+                <p:childTnLst>
+                  <p:par>
+                    <p:cTn id="3" fill="hold">
+                      <p:stCondLst>
+                        <p:cond delay="indefinite"/>
+                      </p:stCondLst>
+                      <p:childTnLst>
+                        <p:par>
+                          <p:cTn id="4" fill="hold">
+                            <p:stCondLst>
+                              <p:cond delay="0"/>
+                            </p:stCondLst>
+                            <p:childTnLst>
+                              <p:par>
+                                <p:cTn id="5" presetID="1" presetClass="entr" presetSubtype="0" fill="hold" grpId="0" nodeType="clickEffect">
+                                  <p:stCondLst>
+                                    <p:cond delay="0"/>
+                                  </p:stCondLst>
+                                  <p:childTnLst>
+                                    <p:set>
+                                      <p:cBhvr>
+                                        <p:cTn id="6" dur="1" fill="hold">
+                                          <p:stCondLst>
+                                            <p:cond delay="0"/>
+                                          </p:stCondLst>
+                                        </p:cTn>
+                                        <p:tgtEl>
+                                          <p:spTgt spid="3">
+                                            <p:txEl>
+                                              <p:pRg st="0" end="0"/>
+                                            </p:txEl>
+                                          </p:spTgt>
+                                        </p:tgtEl>
+                                        <p:attrNameLst>
+                                          <p:attrName>style.visibility</p:attrName>
+                                        </p:attrNameLst>
+                                      </p:cBhvr>
+                                      <p:to>
+                                        <p:strVal val="visible"/>
+                                      </p:to>
+                                    </p:set>
+                                  </p:childTnLst>
+                                </p:cTn>
+                              </p:par>
+                              <p:par>
+                                <p:cTn id="7" presetID="1" presetClass="entr" presetSubtype="0" fill="hold" grpId="0" nodeType="withEffect">
+                                  <p:stCondLst>
+                                    <p:cond delay="0"/>
+                                  </p:stCondLst>
+                                  <p:childTnLst>
+                                    <p:set>
+                                      <p:cBhvr>
+                                        <p:cTn id="8" dur="1" fill="hold">
+                                          <p:stCondLst>
+                                            <p:cond delay="0"/>
+                                          </p:stCondLst>
+                                        </p:cTn>
+                                        <p:tgtEl>
+                                          <p:spTgt spid="3">
+                                            <p:txEl>
+                                              <p:pRg st="1" end="1"/>
+                                            </p:txEl>
+                                          </p:spTgt>
+                                        </p:tgtEl>
+                                        <p:attrNameLst>
+                                          <p:attrName>style.visibility</p:attrName>
+                                        </p:attrNameLst>
+                                      </p:cBhvr>
+                                      <p:to>
+                                        <p:strVal val="visible"/>
+                                      </p:to>
+                                    </p:set>
+                                  </p:childTnLst>
+                                </p:cTn>
+                              </p:par>
+                            </p:childTnLst>
+                          </p:cTn>
+                        </p:par>
+                      </p:childTnLst>
+                    </p:cTn>
+                  </p:par>
+                  <p:par>
+                    <p:cTn id="9" fill="hold">
+                      <p:stCondLst>
+                        <p:cond delay="indefinite"/>
+                      </p:stCondLst>
+                      <p:childTnLst>
+                        <p:par>
+                          <p:cTn id="10" fill="hold">
+                            <p:stCondLst>
+                              <p:cond delay="0"/>
+                            </p:stCondLst>
+                            <p:childTnLst>
+                              <p:par>
+                                <p:cTn id="11" presetID="1" presetClass="entr" presetSubtype="0" fill="hold" grpId="0" nodeType="clickEffect">
+                                  <p:stCondLst>
+                                    <p:cond delay="0"/>
+                                  </p:stCondLst>
+                                  <p:childTnLst>
+                                    <p:set>
+                                      <p:cBhvr>
+                                        <p:cTn id="12" dur="1" fill="hold">
+                                          <p:stCondLst>
+                                            <p:cond delay="0"/>
+                                          </p:stCondLst>
+                                        </p:cTn>
+                                        <p:tgtEl>
+                                          <p:spTgt spid="3">
+                                            <p:txEl>
+                                              <p:pRg st="2" end="2"/>
+                                            </p:txEl>
+                                          </p:spTgt>
+                                        </p:tgtEl>
+                                        <p:attrNameLst>
+                                          <p:attrName>style.visibility</p:attrName>
+                                        </p:attrNameLst>
+                                      </p:cBhvr>
+                                      <p:to>
+                                        <p:strVal val="visible"/>
+                                      </p:to>
+                                    </p:set>
+                                  </p:childTnLst>
+                                </p:cTn>
+                              </p:par>
+                              <p:par>
+                                <p:cTn id="13" presetID="1" presetClass="entr" presetSubtype="0" fill="hold" grpId="0" nodeType="withEffect">
+                                  <p:stCondLst>
+                                    <p:cond delay="0"/>
+                                  </p:stCondLst>
+                                  <p:childTnLst>
+                                    <p:set>
+                                      <p:cBhvr>
+                                        <p:cTn id="14" dur="1" fill="hold">
+                                          <p:stCondLst>
+                                            <p:cond delay="0"/>
+                                          </p:stCondLst>
+                                        </p:cTn>
+                                        <p:tgtEl>
+                                          <p:spTgt spid="3">
+                                            <p:txEl>
+                                              <p:pRg st="3" end="3"/>
+                                            </p:txEl>
+                                          </p:spTgt>
+                                        </p:tgtEl>
+                                        <p:attrNameLst>
+                                          <p:attrName>style.visibility</p:attrName>
+                                        </p:attrNameLst>
+                                      </p:cBhvr>
+                                      <p:to>
+                                        <p:strVal val="visible"/>
+                                      </p:to>
+                                    </p:set>
+                                  </p:childTnLst>
+                                </p:cTn>
+                              </p:par>
+                            </p:childTnLst>
+                          </p:cTn>
+                        </p:par>
+                      </p:childTnLst>
+                    </p:cTn>
+                  </p:par>
+                  <p:par>
+                    <p:cTn id="15" fill="hold">
+                      <p:stCondLst>
+                        <p:cond delay="indefinite"/>
+                      </p:stCondLst>
+                      <p:childTnLst>
+                        <p:par>
+                          <p:cTn id="16" fill="hold">
+                            <p:stCondLst>
+                              <p:cond delay="0"/>
+                            </p:stCondLst>
+                            <p:childTnLst>
+                              <p:par>
+                                <p:cTn id="17" presetID="1" presetClass="entr" presetSubtype="0" fill="hold" grpId="0" nodeType="clickEffect">
+                                  <p:stCondLst>
+                                    <p:cond delay="0"/>
+                                  </p:stCondLst>
+                                  <p:childTnLst>
+                                    <p:set>
+                                      <p:cBhvr>
+                                        <p:cTn id="18" dur="1" fill="hold">
+                                          <p:stCondLst>
+                                            <p:cond delay="0"/>
+                                          </p:stCondLst>
+                                        </p:cTn>
+                                        <p:tgtEl>
+                                          <p:spTgt spid="3">
+                                            <p:txEl>
+                                              <p:pRg st="4" end="4"/>
+                                            </p:txEl>
+                                          </p:spTgt>
+                                        </p:tgtEl>
+                                        <p:attrNameLst>
+                                          <p:attrName>style.visibility</p:attrName>
+                                        </p:attrNameLst>
+                                      </p:cBhvr>
+                                      <p:to>
+                                        <p:strVal val="visible"/>
+                                      </p:to>
+                                    </p:set>
+                                  </p:childTnLst>
+                                </p:cTn>
+                              </p:par>
+                              <p:par>
+                                <p:cTn id="19" presetID="1" presetClass="entr" presetSubtype="0" fill="hold" grpId="0" nodeType="withEffect">
+                                  <p:stCondLst>
+                                    <p:cond delay="0"/>
+                                  </p:stCondLst>
+                                  <p:childTnLst>
+                                    <p:set>
+                                      <p:cBhvr>
+                                        <p:cTn id="20" dur="1" fill="hold">
+                                          <p:stCondLst>
+                                            <p:cond delay="0"/>
+                                          </p:stCondLst>
+                                        </p:cTn>
+                                        <p:tgtEl>
+                                          <p:spTgt spid="3">
+                                            <p:txEl>
+                                              <p:pRg st="5" end="5"/>
+                                            </p:txEl>
+                                          </p:spTgt>
+                                        </p:tgtEl>
+                                        <p:attrNameLst>
+                                          <p:attrName>style.visibility</p:attrName>
+                                        </p:attrNameLst>
+                                      </p:cBhvr>
+                                      <p:to>
+                                        <p:strVal val="visible"/>
+                                      </p:to>
+                                    </p:set>
+                                  </p:childTnLst>
+                                </p:cTn>
+                              </p:par>
+                            </p:childTnLst>
+                          </p:cTn>
+                        </p:par>
+                      </p:childTnLst>
+                    </p:cTn>
+                  </p:par>
+                </p:childTnLst>
+              </p:cTn>
+              <p:prevCondLst>
+                <p:cond evt="onPrev" delay="0">
+                  <p:tgtEl>
+                    <p:sldTgt/>
+                  </p:tgtEl>
+                </p:cond>
+              </p:prevCondLst>
+              <p:nextCondLst>
+                <p:cond evt="onNext" delay="0">
+                  <p:tgtEl>
+                    <p:sldTgt/>
+                  </p:tgtEl>
+                </p:cond>
+              </p:nextCondLst>
+            </p:seq>
+          </p:childTnLst>
+        </p:cTn>
+      </p:par>
+    </p:tnLst>
+    <p:bldLst>
+      <p:bldP spid="3" grpId="0" build="p"/>
+    </p:bldLst>
+  </p:timing>
 </p:sld>
 </file>
 
@@ -4136,6 +5585,15 @@
 </file>
 
 <file path=customXml/item1.xml><?xml version="1.0" encoding="utf-8"?>
+<?mso-contentType ?>
+<FormTemplates xmlns="http://schemas.microsoft.com/sharepoint/v3/contenttype/forms">
+  <Display>DocumentLibraryForm</Display>
+  <Edit>DocumentLibraryForm</Edit>
+  <New>DocumentLibraryForm</New>
+</FormTemplates>
+</file>
+
+<file path=customXml/item2.xml><?xml version="1.0" encoding="utf-8"?>
 <ct:contentTypeSchema xmlns:ct="http://schemas.microsoft.com/office/2006/metadata/contentType" xmlns:ma="http://schemas.microsoft.com/office/2006/metadata/properties/metaAttributes" ct:_="" ma:_="" ma:contentTypeName="Document" ma:contentTypeID="0x010100ABA223F759147049B9D8A25DED07DD24" ma:contentTypeVersion="14" ma:contentTypeDescription="Create a new document." ma:contentTypeScope="" ma:versionID="754cccfe17833f4d06e0267dc9c12ab7">
   <xsd:schema xmlns:xsd="http://www.w3.org/2001/XMLSchema" xmlns:xs="http://www.w3.org/2001/XMLSchema" xmlns:p="http://schemas.microsoft.com/office/2006/metadata/properties" xmlns:ns3="cc9255bc-4d99-4f42-bba5-857cbcc6e725" xmlns:ns4="fc2bff61-6a31-4c51-9f32-b9bba46405e5" targetNamespace="http://schemas.microsoft.com/office/2006/metadata/properties" ma:root="true" ma:fieldsID="e32414dc8724dfdc561355c14801bc84" ns3:_="" ns4:_="">
     <xsd:import namespace="cc9255bc-4d99-4f42-bba5-857cbcc6e725"/>
@@ -4364,15 +5822,6 @@
 </ct:contentTypeSchema>
 </file>
 
-<file path=customXml/item2.xml><?xml version="1.0" encoding="utf-8"?>
-<?mso-contentType ?>
-<FormTemplates xmlns="http://schemas.microsoft.com/sharepoint/v3/contenttype/forms">
-  <Display>DocumentLibraryForm</Display>
-  <Edit>DocumentLibraryForm</Edit>
-  <New>DocumentLibraryForm</New>
-</FormTemplates>
-</file>
-
 <file path=customXml/item3.xml><?xml version="1.0" encoding="utf-8"?>
 <p:properties xmlns:p="http://schemas.microsoft.com/office/2006/metadata/properties" xmlns:xsi="http://www.w3.org/2001/XMLSchema-instance" xmlns:pc="http://schemas.microsoft.com/office/infopath/2007/PartnerControls">
   <documentManagement/>
@@ -4380,6 +5829,14 @@
 </file>
 
 <file path=customXml/itemProps1.xml><?xml version="1.0" encoding="utf-8"?>
+<ds:datastoreItem xmlns:ds="http://schemas.openxmlformats.org/officeDocument/2006/customXml" ds:itemID="{85F8F234-F330-4212-97A3-F36D9BA1DB61}">
+  <ds:schemaRefs>
+    <ds:schemaRef ds:uri="http://schemas.microsoft.com/sharepoint/v3/contenttype/forms"/>
+  </ds:schemaRefs>
+</ds:datastoreItem>
+</file>
+
+<file path=customXml/itemProps2.xml><?xml version="1.0" encoding="utf-8"?>
 <ds:datastoreItem xmlns:ds="http://schemas.openxmlformats.org/officeDocument/2006/customXml" ds:itemID="{AAD619DC-402D-4522-9E46-F63E5067F38C}">
   <ds:schemaRefs>
     <ds:schemaRef ds:uri="http://schemas.microsoft.com/office/2006/metadata/contentType"/>
@@ -4394,14 +5851,6 @@
     <ds:schemaRef ds:uri="http://purl.org/dc/elements/1.1/"/>
     <ds:schemaRef ds:uri="http://purl.org/dc/terms/"/>
     <ds:schemaRef ds:uri="http://schemas.microsoft.com/internal/obd"/>
-  </ds:schemaRefs>
-</ds:datastoreItem>
-</file>
-
-<file path=customXml/itemProps2.xml><?xml version="1.0" encoding="utf-8"?>
-<ds:datastoreItem xmlns:ds="http://schemas.openxmlformats.org/officeDocument/2006/customXml" ds:itemID="{85F8F234-F330-4212-97A3-F36D9BA1DB61}">
-  <ds:schemaRefs>
-    <ds:schemaRef ds:uri="http://schemas.microsoft.com/sharepoint/v3/contenttype/forms"/>
   </ds:schemaRefs>
 </ds:datastoreItem>
 </file>
